--- a/UnderBoX.pptx
+++ b/UnderBoX.pptx
@@ -5,7 +5,7 @@
     <p:sldMasterId id="2147483660" r:id="rId1"/>
   </p:sldMasterIdLst>
   <p:notesMasterIdLst>
-    <p:notesMasterId r:id="rId11"/>
+    <p:notesMasterId r:id="rId10"/>
   </p:notesMasterIdLst>
   <p:sldIdLst>
     <p:sldId id="256" r:id="rId2"/>
@@ -16,7 +16,6 @@
     <p:sldId id="260" r:id="rId7"/>
     <p:sldId id="263" r:id="rId8"/>
     <p:sldId id="264" r:id="rId9"/>
-    <p:sldId id="261" r:id="rId10"/>
   </p:sldIdLst>
   <p:sldSz cx="12192000" cy="6858000"/>
   <p:notesSz cx="6858000" cy="9144000"/>
@@ -115,6 +114,11 @@
       </a:defRPr>
     </a:lvl9pPr>
   </p:defaultTextStyle>
+  <p:extLst>
+    <p:ext uri="{EFAFB233-063F-42B5-8137-9DF3F51BA10A}">
+      <p15:sldGuideLst xmlns:p15="http://schemas.microsoft.com/office/powerpoint/2012/main"/>
+    </p:ext>
+  </p:extLst>
 </p:presentation>
 </file>
 
@@ -518,7 +522,7 @@
           <a:noFill/>
           <a:extLst>
             <a:ext uri="{909E8E84-426E-40dd-AFC4-6F175D3DCCD1}">
-              <a14:hiddenFill xmlns:a14="http://schemas.microsoft.com/office/drawing/2010/main" xmlns="">
+              <a14:hiddenFill xmlns="" xmlns:a14="http://schemas.microsoft.com/office/drawing/2010/main">
                 <a:solidFill>
                   <a:srgbClr val="FFFFFF"/>
                 </a:solidFill>
@@ -578,7 +582,7 @@
             </a:ln>
             <a:extLst>
               <a:ext uri="{91240B29-F687-4f45-9708-019B960494DF}">
-                <a14:hiddenLine xmlns:a14="http://schemas.microsoft.com/office/drawing/2010/main" xmlns="" w="9525">
+                <a14:hiddenLine xmlns="" xmlns:a14="http://schemas.microsoft.com/office/drawing/2010/main" w="9525">
                   <a:solidFill>
                     <a:srgbClr val="000000"/>
                   </a:solidFill>
@@ -668,7 +672,7 @@
             </a:ln>
             <a:extLst>
               <a:ext uri="{91240B29-F687-4f45-9708-019B960494DF}">
-                <a14:hiddenLine xmlns:a14="http://schemas.microsoft.com/office/drawing/2010/main" xmlns="" w="9525">
+                <a14:hiddenLine xmlns="" xmlns:a14="http://schemas.microsoft.com/office/drawing/2010/main" w="9525">
                   <a:solidFill>
                     <a:srgbClr val="000000"/>
                   </a:solidFill>
@@ -758,7 +762,7 @@
             </a:ln>
             <a:extLst>
               <a:ext uri="{91240B29-F687-4f45-9708-019B960494DF}">
-                <a14:hiddenLine xmlns:a14="http://schemas.microsoft.com/office/drawing/2010/main" xmlns="" w="9525">
+                <a14:hiddenLine xmlns="" xmlns:a14="http://schemas.microsoft.com/office/drawing/2010/main" w="9525">
                   <a:solidFill>
                     <a:srgbClr val="000000"/>
                   </a:solidFill>
@@ -792,7 +796,7 @@
             </a:ln>
             <a:extLst>
               <a:ext uri="{91240B29-F687-4f45-9708-019B960494DF}">
-                <a14:hiddenLine xmlns:a14="http://schemas.microsoft.com/office/drawing/2010/main" xmlns="" w="9525">
+                <a14:hiddenLine xmlns="" xmlns:a14="http://schemas.microsoft.com/office/drawing/2010/main" w="9525">
                   <a:solidFill>
                     <a:srgbClr val="000000"/>
                   </a:solidFill>
@@ -882,7 +886,7 @@
             </a:ln>
             <a:extLst>
               <a:ext uri="{91240B29-F687-4f45-9708-019B960494DF}">
-                <a14:hiddenLine xmlns:a14="http://schemas.microsoft.com/office/drawing/2010/main" xmlns="" w="9525">
+                <a14:hiddenLine xmlns="" xmlns:a14="http://schemas.microsoft.com/office/drawing/2010/main" w="9525">
                   <a:solidFill>
                     <a:srgbClr val="000000"/>
                   </a:solidFill>
@@ -944,7 +948,7 @@
             </a:ln>
             <a:extLst>
               <a:ext uri="{91240B29-F687-4f45-9708-019B960494DF}">
-                <a14:hiddenLine xmlns:a14="http://schemas.microsoft.com/office/drawing/2010/main" xmlns="" w="9525">
+                <a14:hiddenLine xmlns="" xmlns:a14="http://schemas.microsoft.com/office/drawing/2010/main" w="9525">
                   <a:solidFill>
                     <a:srgbClr val="000000"/>
                   </a:solidFill>
@@ -1006,7 +1010,7 @@
             </a:ln>
             <a:extLst>
               <a:ext uri="{91240B29-F687-4f45-9708-019B960494DF}">
-                <a14:hiddenLine xmlns:a14="http://schemas.microsoft.com/office/drawing/2010/main" xmlns="" w="9525">
+                <a14:hiddenLine xmlns="" xmlns:a14="http://schemas.microsoft.com/office/drawing/2010/main" w="9525">
                   <a:solidFill>
                     <a:srgbClr val="000000"/>
                   </a:solidFill>
@@ -1096,7 +1100,7 @@
             </a:ln>
             <a:extLst>
               <a:ext uri="{91240B29-F687-4f45-9708-019B960494DF}">
-                <a14:hiddenLine xmlns:a14="http://schemas.microsoft.com/office/drawing/2010/main" xmlns="" w="9525">
+                <a14:hiddenLine xmlns="" xmlns:a14="http://schemas.microsoft.com/office/drawing/2010/main" w="9525">
                   <a:solidFill>
                     <a:srgbClr val="000000"/>
                   </a:solidFill>
@@ -1158,7 +1162,7 @@
             </a:ln>
             <a:extLst>
               <a:ext uri="{91240B29-F687-4f45-9708-019B960494DF}">
-                <a14:hiddenLine xmlns:a14="http://schemas.microsoft.com/office/drawing/2010/main" xmlns="" w="9525">
+                <a14:hiddenLine xmlns="" xmlns:a14="http://schemas.microsoft.com/office/drawing/2010/main" w="9525">
                   <a:solidFill>
                     <a:srgbClr val="000000"/>
                   </a:solidFill>
@@ -1220,7 +1224,7 @@
             </a:ln>
             <a:extLst>
               <a:ext uri="{91240B29-F687-4f45-9708-019B960494DF}">
-                <a14:hiddenLine xmlns:a14="http://schemas.microsoft.com/office/drawing/2010/main" xmlns="" w="9525">
+                <a14:hiddenLine xmlns="" xmlns:a14="http://schemas.microsoft.com/office/drawing/2010/main" w="9525">
                   <a:solidFill>
                     <a:srgbClr val="000000"/>
                   </a:solidFill>
@@ -1310,7 +1314,7 @@
             </a:ln>
             <a:extLst>
               <a:ext uri="{91240B29-F687-4f45-9708-019B960494DF}">
-                <a14:hiddenLine xmlns:a14="http://schemas.microsoft.com/office/drawing/2010/main" xmlns="" w="9525">
+                <a14:hiddenLine xmlns="" xmlns:a14="http://schemas.microsoft.com/office/drawing/2010/main" w="9525">
                   <a:solidFill>
                     <a:srgbClr val="000000"/>
                   </a:solidFill>
@@ -1400,7 +1404,7 @@
             </a:ln>
             <a:extLst>
               <a:ext uri="{91240B29-F687-4f45-9708-019B960494DF}">
-                <a14:hiddenLine xmlns:a14="http://schemas.microsoft.com/office/drawing/2010/main" xmlns="" w="9525">
+                <a14:hiddenLine xmlns="" xmlns:a14="http://schemas.microsoft.com/office/drawing/2010/main" w="9525">
                   <a:solidFill>
                     <a:srgbClr val="000000"/>
                   </a:solidFill>
@@ -1462,7 +1466,7 @@
             </a:ln>
             <a:extLst>
               <a:ext uri="{91240B29-F687-4f45-9708-019B960494DF}">
-                <a14:hiddenLine xmlns:a14="http://schemas.microsoft.com/office/drawing/2010/main" xmlns="" w="9525">
+                <a14:hiddenLine xmlns="" xmlns:a14="http://schemas.microsoft.com/office/drawing/2010/main" w="9525">
                   <a:solidFill>
                     <a:srgbClr val="000000"/>
                   </a:solidFill>
@@ -1572,7 +1576,7 @@
             </a:ln>
             <a:extLst>
               <a:ext uri="{91240B29-F687-4f45-9708-019B960494DF}">
-                <a14:hiddenLine xmlns:a14="http://schemas.microsoft.com/office/drawing/2010/main" xmlns="" w="9525">
+                <a14:hiddenLine xmlns="" xmlns:a14="http://schemas.microsoft.com/office/drawing/2010/main" w="9525">
                   <a:solidFill>
                     <a:srgbClr val="000000"/>
                   </a:solidFill>
@@ -1634,7 +1638,7 @@
             </a:ln>
             <a:extLst>
               <a:ext uri="{91240B29-F687-4f45-9708-019B960494DF}">
-                <a14:hiddenLine xmlns:a14="http://schemas.microsoft.com/office/drawing/2010/main" xmlns="" w="9525">
+                <a14:hiddenLine xmlns="" xmlns:a14="http://schemas.microsoft.com/office/drawing/2010/main" w="9525">
                   <a:solidFill>
                     <a:srgbClr val="000000"/>
                   </a:solidFill>
@@ -1724,7 +1728,7 @@
             </a:ln>
             <a:extLst>
               <a:ext uri="{91240B29-F687-4f45-9708-019B960494DF}">
-                <a14:hiddenLine xmlns:a14="http://schemas.microsoft.com/office/drawing/2010/main" xmlns="" w="9525">
+                <a14:hiddenLine xmlns="" xmlns:a14="http://schemas.microsoft.com/office/drawing/2010/main" w="9525">
                   <a:solidFill>
                     <a:srgbClr val="000000"/>
                   </a:solidFill>
@@ -1814,7 +1818,7 @@
             </a:ln>
             <a:extLst>
               <a:ext uri="{91240B29-F687-4f45-9708-019B960494DF}">
-                <a14:hiddenLine xmlns:a14="http://schemas.microsoft.com/office/drawing/2010/main" xmlns="" w="9525">
+                <a14:hiddenLine xmlns="" xmlns:a14="http://schemas.microsoft.com/office/drawing/2010/main" w="9525">
                   <a:solidFill>
                     <a:srgbClr val="000000"/>
                   </a:solidFill>
@@ -1876,7 +1880,7 @@
             </a:ln>
             <a:extLst>
               <a:ext uri="{91240B29-F687-4f45-9708-019B960494DF}">
-                <a14:hiddenLine xmlns:a14="http://schemas.microsoft.com/office/drawing/2010/main" xmlns="" w="9525">
+                <a14:hiddenLine xmlns="" xmlns:a14="http://schemas.microsoft.com/office/drawing/2010/main" w="9525">
                   <a:solidFill>
                     <a:srgbClr val="000000"/>
                   </a:solidFill>
@@ -1966,7 +1970,7 @@
             </a:ln>
             <a:extLst>
               <a:ext uri="{91240B29-F687-4f45-9708-019B960494DF}">
-                <a14:hiddenLine xmlns:a14="http://schemas.microsoft.com/office/drawing/2010/main" xmlns="" w="9525">
+                <a14:hiddenLine xmlns="" xmlns:a14="http://schemas.microsoft.com/office/drawing/2010/main" w="9525">
                   <a:solidFill>
                     <a:srgbClr val="000000"/>
                   </a:solidFill>
@@ -2056,7 +2060,7 @@
             </a:ln>
             <a:extLst>
               <a:ext uri="{91240B29-F687-4f45-9708-019B960494DF}">
-                <a14:hiddenLine xmlns:a14="http://schemas.microsoft.com/office/drawing/2010/main" xmlns="" w="9525">
+                <a14:hiddenLine xmlns="" xmlns:a14="http://schemas.microsoft.com/office/drawing/2010/main" w="9525">
                   <a:solidFill>
                     <a:srgbClr val="000000"/>
                   </a:solidFill>
@@ -2112,7 +2116,7 @@
             </a:ln>
             <a:extLst>
               <a:ext uri="{91240B29-F687-4f45-9708-019B960494DF}">
-                <a14:hiddenLine xmlns:a14="http://schemas.microsoft.com/office/drawing/2010/main" xmlns="" w="9525">
+                <a14:hiddenLine xmlns="" xmlns:a14="http://schemas.microsoft.com/office/drawing/2010/main" w="9525">
                   <a:solidFill>
                     <a:srgbClr val="000000"/>
                   </a:solidFill>
@@ -2202,7 +2206,7 @@
             </a:ln>
             <a:extLst>
               <a:ext uri="{91240B29-F687-4f45-9708-019B960494DF}">
-                <a14:hiddenLine xmlns:a14="http://schemas.microsoft.com/office/drawing/2010/main" xmlns="" w="9525">
+                <a14:hiddenLine xmlns="" xmlns:a14="http://schemas.microsoft.com/office/drawing/2010/main" w="9525">
                   <a:solidFill>
                     <a:srgbClr val="000000"/>
                   </a:solidFill>
@@ -2258,7 +2262,7 @@
             </a:ln>
             <a:extLst>
               <a:ext uri="{91240B29-F687-4f45-9708-019B960494DF}">
-                <a14:hiddenLine xmlns:a14="http://schemas.microsoft.com/office/drawing/2010/main" xmlns="" w="9525">
+                <a14:hiddenLine xmlns="" xmlns:a14="http://schemas.microsoft.com/office/drawing/2010/main" w="9525">
                   <a:solidFill>
                     <a:srgbClr val="000000"/>
                   </a:solidFill>
@@ -2348,7 +2352,7 @@
             </a:ln>
             <a:extLst>
               <a:ext uri="{91240B29-F687-4f45-9708-019B960494DF}">
-                <a14:hiddenLine xmlns:a14="http://schemas.microsoft.com/office/drawing/2010/main" xmlns="" w="9525">
+                <a14:hiddenLine xmlns="" xmlns:a14="http://schemas.microsoft.com/office/drawing/2010/main" w="9525">
                   <a:solidFill>
                     <a:srgbClr val="000000"/>
                   </a:solidFill>
@@ -2416,7 +2420,7 @@
             </a:ln>
             <a:extLst>
               <a:ext uri="{91240B29-F687-4f45-9708-019B960494DF}">
-                <a14:hiddenLine xmlns:a14="http://schemas.microsoft.com/office/drawing/2010/main" xmlns="" w="9525">
+                <a14:hiddenLine xmlns="" xmlns:a14="http://schemas.microsoft.com/office/drawing/2010/main" w="9525">
                   <a:solidFill>
                     <a:srgbClr val="000000"/>
                   </a:solidFill>
@@ -2506,7 +2510,7 @@
             </a:ln>
             <a:extLst>
               <a:ext uri="{91240B29-F687-4f45-9708-019B960494DF}">
-                <a14:hiddenLine xmlns:a14="http://schemas.microsoft.com/office/drawing/2010/main" xmlns="" w="9525">
+                <a14:hiddenLine xmlns="" xmlns:a14="http://schemas.microsoft.com/office/drawing/2010/main" w="9525">
                   <a:solidFill>
                     <a:srgbClr val="000000"/>
                   </a:solidFill>
@@ -2574,7 +2578,7 @@
             </a:ln>
             <a:extLst>
               <a:ext uri="{91240B29-F687-4f45-9708-019B960494DF}">
-                <a14:hiddenLine xmlns:a14="http://schemas.microsoft.com/office/drawing/2010/main" xmlns="" w="9525">
+                <a14:hiddenLine xmlns="" xmlns:a14="http://schemas.microsoft.com/office/drawing/2010/main" w="9525">
                   <a:solidFill>
                     <a:srgbClr val="000000"/>
                   </a:solidFill>
@@ -2664,7 +2668,7 @@
             </a:ln>
             <a:extLst>
               <a:ext uri="{91240B29-F687-4f45-9708-019B960494DF}">
-                <a14:hiddenLine xmlns:a14="http://schemas.microsoft.com/office/drawing/2010/main" xmlns="" w="9525">
+                <a14:hiddenLine xmlns="" xmlns:a14="http://schemas.microsoft.com/office/drawing/2010/main" w="9525">
                   <a:solidFill>
                     <a:srgbClr val="000000"/>
                   </a:solidFill>
@@ -2698,7 +2702,7 @@
             </a:ln>
             <a:extLst>
               <a:ext uri="{91240B29-F687-4f45-9708-019B960494DF}">
-                <a14:hiddenLine xmlns:a14="http://schemas.microsoft.com/office/drawing/2010/main" xmlns="" w="9525">
+                <a14:hiddenLine xmlns="" xmlns:a14="http://schemas.microsoft.com/office/drawing/2010/main" w="9525">
                   <a:solidFill>
                     <a:srgbClr val="000000"/>
                   </a:solidFill>
@@ -2788,7 +2792,7 @@
             </a:ln>
             <a:extLst>
               <a:ext uri="{91240B29-F687-4f45-9708-019B960494DF}">
-                <a14:hiddenLine xmlns:a14="http://schemas.microsoft.com/office/drawing/2010/main" xmlns="" w="9525">
+                <a14:hiddenLine xmlns="" xmlns:a14="http://schemas.microsoft.com/office/drawing/2010/main" w="9525">
                   <a:solidFill>
                     <a:srgbClr val="000000"/>
                   </a:solidFill>
@@ -2850,7 +2854,7 @@
             </a:ln>
             <a:extLst>
               <a:ext uri="{91240B29-F687-4f45-9708-019B960494DF}">
-                <a14:hiddenLine xmlns:a14="http://schemas.microsoft.com/office/drawing/2010/main" xmlns="" w="9525">
+                <a14:hiddenLine xmlns="" xmlns:a14="http://schemas.microsoft.com/office/drawing/2010/main" w="9525">
                   <a:solidFill>
                     <a:srgbClr val="000000"/>
                   </a:solidFill>
@@ -2912,7 +2916,7 @@
             </a:ln>
             <a:extLst>
               <a:ext uri="{91240B29-F687-4f45-9708-019B960494DF}">
-                <a14:hiddenLine xmlns:a14="http://schemas.microsoft.com/office/drawing/2010/main" xmlns="" w="9525">
+                <a14:hiddenLine xmlns="" xmlns:a14="http://schemas.microsoft.com/office/drawing/2010/main" w="9525">
                   <a:solidFill>
                     <a:srgbClr val="000000"/>
                   </a:solidFill>
@@ -3002,7 +3006,7 @@
             </a:ln>
             <a:extLst>
               <a:ext uri="{91240B29-F687-4f45-9708-019B960494DF}">
-                <a14:hiddenLine xmlns:a14="http://schemas.microsoft.com/office/drawing/2010/main" xmlns="" w="9525">
+                <a14:hiddenLine xmlns="" xmlns:a14="http://schemas.microsoft.com/office/drawing/2010/main" w="9525">
                   <a:solidFill>
                     <a:srgbClr val="000000"/>
                   </a:solidFill>
@@ -3070,7 +3074,7 @@
             </a:ln>
             <a:extLst>
               <a:ext uri="{91240B29-F687-4f45-9708-019B960494DF}">
-                <a14:hiddenLine xmlns:a14="http://schemas.microsoft.com/office/drawing/2010/main" xmlns="" w="9525">
+                <a14:hiddenLine xmlns="" xmlns:a14="http://schemas.microsoft.com/office/drawing/2010/main" w="9525">
                   <a:solidFill>
                     <a:srgbClr val="000000"/>
                   </a:solidFill>
@@ -3132,7 +3136,7 @@
             </a:ln>
             <a:extLst>
               <a:ext uri="{91240B29-F687-4f45-9708-019B960494DF}">
-                <a14:hiddenLine xmlns:a14="http://schemas.microsoft.com/office/drawing/2010/main" xmlns="" w="9525">
+                <a14:hiddenLine xmlns="" xmlns:a14="http://schemas.microsoft.com/office/drawing/2010/main" w="9525">
                   <a:solidFill>
                     <a:srgbClr val="000000"/>
                   </a:solidFill>
@@ -3222,7 +3226,7 @@
             </a:ln>
             <a:extLst>
               <a:ext uri="{91240B29-F687-4f45-9708-019B960494DF}">
-                <a14:hiddenLine xmlns:a14="http://schemas.microsoft.com/office/drawing/2010/main" xmlns="" w="9525">
+                <a14:hiddenLine xmlns="" xmlns:a14="http://schemas.microsoft.com/office/drawing/2010/main" w="9525">
                   <a:solidFill>
                     <a:srgbClr val="000000"/>
                   </a:solidFill>
@@ -3284,7 +3288,7 @@
             </a:ln>
             <a:extLst>
               <a:ext uri="{91240B29-F687-4f45-9708-019B960494DF}">
-                <a14:hiddenLine xmlns:a14="http://schemas.microsoft.com/office/drawing/2010/main" xmlns="" w="9525">
+                <a14:hiddenLine xmlns="" xmlns:a14="http://schemas.microsoft.com/office/drawing/2010/main" w="9525">
                   <a:solidFill>
                     <a:srgbClr val="000000"/>
                   </a:solidFill>
@@ -3374,7 +3378,7 @@
             </a:ln>
             <a:extLst>
               <a:ext uri="{91240B29-F687-4f45-9708-019B960494DF}">
-                <a14:hiddenLine xmlns:a14="http://schemas.microsoft.com/office/drawing/2010/main" xmlns="" w="9525">
+                <a14:hiddenLine xmlns="" xmlns:a14="http://schemas.microsoft.com/office/drawing/2010/main" w="9525">
                   <a:solidFill>
                     <a:srgbClr val="000000"/>
                   </a:solidFill>
@@ -3436,7 +3440,7 @@
             </a:ln>
             <a:extLst>
               <a:ext uri="{91240B29-F687-4f45-9708-019B960494DF}">
-                <a14:hiddenLine xmlns:a14="http://schemas.microsoft.com/office/drawing/2010/main" xmlns="" w="9525">
+                <a14:hiddenLine xmlns="" xmlns:a14="http://schemas.microsoft.com/office/drawing/2010/main" w="9525">
                   <a:solidFill>
                     <a:srgbClr val="000000"/>
                   </a:solidFill>
@@ -3526,7 +3530,7 @@
             </a:ln>
             <a:extLst>
               <a:ext uri="{91240B29-F687-4f45-9708-019B960494DF}">
-                <a14:hiddenLine xmlns:a14="http://schemas.microsoft.com/office/drawing/2010/main" xmlns="" w="9525">
+                <a14:hiddenLine xmlns="" xmlns:a14="http://schemas.microsoft.com/office/drawing/2010/main" w="9525">
                   <a:solidFill>
                     <a:srgbClr val="000000"/>
                   </a:solidFill>
@@ -3560,7 +3564,7 @@
             </a:ln>
             <a:extLst>
               <a:ext uri="{91240B29-F687-4f45-9708-019B960494DF}">
-                <a14:hiddenLine xmlns:a14="http://schemas.microsoft.com/office/drawing/2010/main" xmlns="" w="9525">
+                <a14:hiddenLine xmlns="" xmlns:a14="http://schemas.microsoft.com/office/drawing/2010/main" w="9525">
                   <a:solidFill>
                     <a:srgbClr val="000000"/>
                   </a:solidFill>
@@ -3625,7 +3629,7 @@
             </a:ln>
             <a:extLst>
               <a:ext uri="{91240B29-F687-4f45-9708-019B960494DF}">
-                <a14:hiddenLine xmlns:a14="http://schemas.microsoft.com/office/drawing/2010/main" xmlns="" w="9525">
+                <a14:hiddenLine xmlns="" xmlns:a14="http://schemas.microsoft.com/office/drawing/2010/main" w="9525">
                   <a:solidFill>
                     <a:srgbClr val="000000"/>
                   </a:solidFill>
@@ -3715,7 +3719,7 @@
             </a:ln>
             <a:extLst>
               <a:ext uri="{91240B29-F687-4f45-9708-019B960494DF}">
-                <a14:hiddenLine xmlns:a14="http://schemas.microsoft.com/office/drawing/2010/main" xmlns="" w="9525">
+                <a14:hiddenLine xmlns="" xmlns:a14="http://schemas.microsoft.com/office/drawing/2010/main" w="9525">
                   <a:solidFill>
                     <a:srgbClr val="000000"/>
                   </a:solidFill>
@@ -3777,7 +3781,7 @@
             </a:ln>
             <a:extLst>
               <a:ext uri="{91240B29-F687-4f45-9708-019B960494DF}">
-                <a14:hiddenLine xmlns:a14="http://schemas.microsoft.com/office/drawing/2010/main" xmlns="" w="9525">
+                <a14:hiddenLine xmlns="" xmlns:a14="http://schemas.microsoft.com/office/drawing/2010/main" w="9525">
                   <a:solidFill>
                     <a:srgbClr val="000000"/>
                   </a:solidFill>
@@ -3867,7 +3871,7 @@
             </a:ln>
             <a:extLst>
               <a:ext uri="{91240B29-F687-4f45-9708-019B960494DF}">
-                <a14:hiddenLine xmlns:a14="http://schemas.microsoft.com/office/drawing/2010/main" xmlns="" w="9525">
+                <a14:hiddenLine xmlns="" xmlns:a14="http://schemas.microsoft.com/office/drawing/2010/main" w="9525">
                   <a:solidFill>
                     <a:srgbClr val="000000"/>
                   </a:solidFill>
@@ -3957,7 +3961,7 @@
             </a:ln>
             <a:extLst>
               <a:ext uri="{91240B29-F687-4f45-9708-019B960494DF}">
-                <a14:hiddenLine xmlns:a14="http://schemas.microsoft.com/office/drawing/2010/main" xmlns="" w="9525">
+                <a14:hiddenLine xmlns="" xmlns:a14="http://schemas.microsoft.com/office/drawing/2010/main" w="9525">
                   <a:solidFill>
                     <a:srgbClr val="000000"/>
                   </a:solidFill>
@@ -4022,7 +4026,7 @@
             </a:ln>
             <a:extLst>
               <a:ext uri="{91240B29-F687-4f45-9708-019B960494DF}">
-                <a14:hiddenLine xmlns:a14="http://schemas.microsoft.com/office/drawing/2010/main" xmlns="" w="9525">
+                <a14:hiddenLine xmlns="" xmlns:a14="http://schemas.microsoft.com/office/drawing/2010/main" w="9525">
                   <a:solidFill>
                     <a:srgbClr val="000000"/>
                   </a:solidFill>
@@ -4084,7 +4088,7 @@
             </a:ln>
             <a:extLst>
               <a:ext uri="{91240B29-F687-4f45-9708-019B960494DF}">
-                <a14:hiddenLine xmlns:a14="http://schemas.microsoft.com/office/drawing/2010/main" xmlns="" w="9525">
+                <a14:hiddenLine xmlns="" xmlns:a14="http://schemas.microsoft.com/office/drawing/2010/main" w="9525">
                   <a:solidFill>
                     <a:srgbClr val="000000"/>
                   </a:solidFill>
@@ -4174,7 +4178,7 @@
             </a:ln>
             <a:extLst>
               <a:ext uri="{91240B29-F687-4f45-9708-019B960494DF}">
-                <a14:hiddenLine xmlns:a14="http://schemas.microsoft.com/office/drawing/2010/main" xmlns="" w="9525">
+                <a14:hiddenLine xmlns="" xmlns:a14="http://schemas.microsoft.com/office/drawing/2010/main" w="9525">
                   <a:solidFill>
                     <a:srgbClr val="000000"/>
                   </a:solidFill>
@@ -4264,7 +4268,7 @@
             </a:ln>
             <a:extLst>
               <a:ext uri="{91240B29-F687-4f45-9708-019B960494DF}">
-                <a14:hiddenLine xmlns:a14="http://schemas.microsoft.com/office/drawing/2010/main" xmlns="" w="9525">
+                <a14:hiddenLine xmlns="" xmlns:a14="http://schemas.microsoft.com/office/drawing/2010/main" w="9525">
                   <a:solidFill>
                     <a:srgbClr val="000000"/>
                   </a:solidFill>
@@ -4326,7 +4330,7 @@
             </a:ln>
             <a:extLst>
               <a:ext uri="{91240B29-F687-4f45-9708-019B960494DF}">
-                <a14:hiddenLine xmlns:a14="http://schemas.microsoft.com/office/drawing/2010/main" xmlns="" w="9525">
+                <a14:hiddenLine xmlns="" xmlns:a14="http://schemas.microsoft.com/office/drawing/2010/main" w="9525">
                   <a:solidFill>
                     <a:srgbClr val="000000"/>
                   </a:solidFill>
@@ -4446,7 +4450,7 @@
             </a:ln>
             <a:extLst>
               <a:ext uri="{91240B29-F687-4f45-9708-019B960494DF}">
-                <a14:hiddenLine xmlns:a14="http://schemas.microsoft.com/office/drawing/2010/main" xmlns="" w="9525">
+                <a14:hiddenLine xmlns="" xmlns:a14="http://schemas.microsoft.com/office/drawing/2010/main" w="9525">
                   <a:solidFill>
                     <a:srgbClr val="000000"/>
                   </a:solidFill>
@@ -4514,7 +4518,7 @@
             </a:ln>
             <a:extLst>
               <a:ext uri="{91240B29-F687-4f45-9708-019B960494DF}">
-                <a14:hiddenLine xmlns:a14="http://schemas.microsoft.com/office/drawing/2010/main" xmlns="" w="9525">
+                <a14:hiddenLine xmlns="" xmlns:a14="http://schemas.microsoft.com/office/drawing/2010/main" w="9525">
                   <a:solidFill>
                     <a:srgbClr val="000000"/>
                   </a:solidFill>
@@ -4604,7 +4608,7 @@
             </a:ln>
             <a:extLst>
               <a:ext uri="{91240B29-F687-4f45-9708-019B960494DF}">
-                <a14:hiddenLine xmlns:a14="http://schemas.microsoft.com/office/drawing/2010/main" xmlns="" w="9525">
+                <a14:hiddenLine xmlns="" xmlns:a14="http://schemas.microsoft.com/office/drawing/2010/main" w="9525">
                   <a:solidFill>
                     <a:srgbClr val="000000"/>
                   </a:solidFill>
@@ -4744,7 +4748,7 @@
           <a:p>
             <a:fld id="{BA2653DB-D84C-46A1-8DA2-2F7D8377207A}" type="datetimeFigureOut">
               <a:rPr lang="ru-RU" smtClean="0"/>
-              <a:t>26.12.2018</a:t>
+              <a:t>27.12.2018</a:t>
             </a:fld>
             <a:endParaRPr lang="ru-RU"/>
           </a:p>
@@ -5011,7 +5015,7 @@
           <a:p>
             <a:fld id="{BA2653DB-D84C-46A1-8DA2-2F7D8377207A}" type="datetimeFigureOut">
               <a:rPr lang="ru-RU" smtClean="0"/>
-              <a:t>26.12.2018</a:t>
+              <a:t>27.12.2018</a:t>
             </a:fld>
             <a:endParaRPr lang="ru-RU"/>
           </a:p>
@@ -5207,7 +5211,7 @@
           <a:p>
             <a:fld id="{BA2653DB-D84C-46A1-8DA2-2F7D8377207A}" type="datetimeFigureOut">
               <a:rPr lang="ru-RU" smtClean="0"/>
-              <a:t>26.12.2018</a:t>
+              <a:t>27.12.2018</a:t>
             </a:fld>
             <a:endParaRPr lang="ru-RU"/>
           </a:p>
@@ -5470,7 +5474,7 @@
           <a:p>
             <a:fld id="{BA2653DB-D84C-46A1-8DA2-2F7D8377207A}" type="datetimeFigureOut">
               <a:rPr lang="ru-RU" smtClean="0"/>
-              <a:t>26.12.2018</a:t>
+              <a:t>27.12.2018</a:t>
             </a:fld>
             <a:endParaRPr lang="ru-RU"/>
           </a:p>
@@ -5904,7 +5908,7 @@
           <a:p>
             <a:fld id="{BA2653DB-D84C-46A1-8DA2-2F7D8377207A}" type="datetimeFigureOut">
               <a:rPr lang="ru-RU" smtClean="0"/>
-              <a:t>26.12.2018</a:t>
+              <a:t>27.12.2018</a:t>
             </a:fld>
             <a:endParaRPr lang="ru-RU"/>
           </a:p>
@@ -6450,7 +6454,7 @@
           <a:p>
             <a:fld id="{BA2653DB-D84C-46A1-8DA2-2F7D8377207A}" type="datetimeFigureOut">
               <a:rPr lang="ru-RU" smtClean="0"/>
-              <a:t>26.12.2018</a:t>
+              <a:t>27.12.2018</a:t>
             </a:fld>
             <a:endParaRPr lang="ru-RU"/>
           </a:p>
@@ -7170,7 +7174,7 @@
           <a:p>
             <a:fld id="{BA2653DB-D84C-46A1-8DA2-2F7D8377207A}" type="datetimeFigureOut">
               <a:rPr lang="ru-RU" smtClean="0"/>
-              <a:t>26.12.2018</a:t>
+              <a:t>27.12.2018</a:t>
             </a:fld>
             <a:endParaRPr lang="ru-RU"/>
           </a:p>
@@ -7340,7 +7344,7 @@
           <a:p>
             <a:fld id="{BA2653DB-D84C-46A1-8DA2-2F7D8377207A}" type="datetimeFigureOut">
               <a:rPr lang="ru-RU" smtClean="0"/>
-              <a:t>26.12.2018</a:t>
+              <a:t>27.12.2018</a:t>
             </a:fld>
             <a:endParaRPr lang="ru-RU"/>
           </a:p>
@@ -7520,7 +7524,7 @@
           <a:p>
             <a:fld id="{BA2653DB-D84C-46A1-8DA2-2F7D8377207A}" type="datetimeFigureOut">
               <a:rPr lang="ru-RU" smtClean="0"/>
-              <a:t>26.12.2018</a:t>
+              <a:t>27.12.2018</a:t>
             </a:fld>
             <a:endParaRPr lang="ru-RU"/>
           </a:p>
@@ -7690,7 +7694,7 @@
           <a:p>
             <a:fld id="{BA2653DB-D84C-46A1-8DA2-2F7D8377207A}" type="datetimeFigureOut">
               <a:rPr lang="ru-RU" smtClean="0"/>
-              <a:t>26.12.2018</a:t>
+              <a:t>27.12.2018</a:t>
             </a:fld>
             <a:endParaRPr lang="ru-RU"/>
           </a:p>
@@ -7940,7 +7944,7 @@
           <a:p>
             <a:fld id="{BA2653DB-D84C-46A1-8DA2-2F7D8377207A}" type="datetimeFigureOut">
               <a:rPr lang="ru-RU" smtClean="0"/>
-              <a:t>26.12.2018</a:t>
+              <a:t>27.12.2018</a:t>
             </a:fld>
             <a:endParaRPr lang="ru-RU"/>
           </a:p>
@@ -8172,7 +8176,7 @@
           <a:p>
             <a:fld id="{BA2653DB-D84C-46A1-8DA2-2F7D8377207A}" type="datetimeFigureOut">
               <a:rPr lang="ru-RU" smtClean="0"/>
-              <a:t>26.12.2018</a:t>
+              <a:t>27.12.2018</a:t>
             </a:fld>
             <a:endParaRPr lang="ru-RU"/>
           </a:p>
@@ -8553,7 +8557,7 @@
           <a:p>
             <a:fld id="{BA2653DB-D84C-46A1-8DA2-2F7D8377207A}" type="datetimeFigureOut">
               <a:rPr lang="ru-RU" smtClean="0"/>
-              <a:t>26.12.2018</a:t>
+              <a:t>27.12.2018</a:t>
             </a:fld>
             <a:endParaRPr lang="ru-RU"/>
           </a:p>
@@ -8671,7 +8675,7 @@
           <a:p>
             <a:fld id="{BA2653DB-D84C-46A1-8DA2-2F7D8377207A}" type="datetimeFigureOut">
               <a:rPr lang="ru-RU" smtClean="0"/>
-              <a:t>26.12.2018</a:t>
+              <a:t>27.12.2018</a:t>
             </a:fld>
             <a:endParaRPr lang="ru-RU"/>
           </a:p>
@@ -8766,7 +8770,7 @@
           <a:p>
             <a:fld id="{BA2653DB-D84C-46A1-8DA2-2F7D8377207A}" type="datetimeFigureOut">
               <a:rPr lang="ru-RU" smtClean="0"/>
-              <a:t>26.12.2018</a:t>
+              <a:t>27.12.2018</a:t>
             </a:fld>
             <a:endParaRPr lang="ru-RU"/>
           </a:p>
@@ -9015,7 +9019,7 @@
           <a:p>
             <a:fld id="{BA2653DB-D84C-46A1-8DA2-2F7D8377207A}" type="datetimeFigureOut">
               <a:rPr lang="ru-RU" smtClean="0"/>
-              <a:t>26.12.2018</a:t>
+              <a:t>27.12.2018</a:t>
             </a:fld>
             <a:endParaRPr lang="ru-RU"/>
           </a:p>
@@ -9295,7 +9299,7 @@
           <a:p>
             <a:fld id="{BA2653DB-D84C-46A1-8DA2-2F7D8377207A}" type="datetimeFigureOut">
               <a:rPr lang="ru-RU" smtClean="0"/>
-              <a:t>26.12.2018</a:t>
+              <a:t>27.12.2018</a:t>
             </a:fld>
             <a:endParaRPr lang="ru-RU"/>
           </a:p>
@@ -9411,7 +9415,7 @@
           <a:noFill/>
           <a:extLst>
             <a:ext uri="{909E8E84-426E-40dd-AFC4-6F175D3DCCD1}">
-              <a14:hiddenFill xmlns:a14="http://schemas.microsoft.com/office/drawing/2010/main" xmlns="">
+              <a14:hiddenFill xmlns="" xmlns:a14="http://schemas.microsoft.com/office/drawing/2010/main">
                 <a:solidFill>
                   <a:srgbClr val="FFFFFF"/>
                 </a:solidFill>
@@ -9485,7 +9489,7 @@
               </a:ln>
               <a:extLst>
                 <a:ext uri="{91240B29-F687-4f45-9708-019B960494DF}">
-                  <a14:hiddenLine xmlns:a14="http://schemas.microsoft.com/office/drawing/2010/main" xmlns="" w="9525">
+                  <a14:hiddenLine xmlns="" xmlns:a14="http://schemas.microsoft.com/office/drawing/2010/main" w="9525">
                     <a:solidFill>
                       <a:srgbClr val="000000"/>
                     </a:solidFill>
@@ -9575,7 +9579,7 @@
               </a:ln>
               <a:extLst>
                 <a:ext uri="{91240B29-F687-4f45-9708-019B960494DF}">
-                  <a14:hiddenLine xmlns:a14="http://schemas.microsoft.com/office/drawing/2010/main" xmlns="" w="9525">
+                  <a14:hiddenLine xmlns="" xmlns:a14="http://schemas.microsoft.com/office/drawing/2010/main" w="9525">
                     <a:solidFill>
                       <a:srgbClr val="000000"/>
                     </a:solidFill>
@@ -9665,7 +9669,7 @@
               </a:ln>
               <a:extLst>
                 <a:ext uri="{91240B29-F687-4f45-9708-019B960494DF}">
-                  <a14:hiddenLine xmlns:a14="http://schemas.microsoft.com/office/drawing/2010/main" xmlns="" w="9525">
+                  <a14:hiddenLine xmlns="" xmlns:a14="http://schemas.microsoft.com/office/drawing/2010/main" w="9525">
                     <a:solidFill>
                       <a:srgbClr val="000000"/>
                     </a:solidFill>
@@ -9727,7 +9731,7 @@
               </a:ln>
               <a:extLst>
                 <a:ext uri="{91240B29-F687-4f45-9708-019B960494DF}">
-                  <a14:hiddenLine xmlns:a14="http://schemas.microsoft.com/office/drawing/2010/main" xmlns="" w="9525">
+                  <a14:hiddenLine xmlns="" xmlns:a14="http://schemas.microsoft.com/office/drawing/2010/main" w="9525">
                     <a:solidFill>
                       <a:srgbClr val="000000"/>
                     </a:solidFill>
@@ -9817,7 +9821,7 @@
               </a:ln>
               <a:extLst>
                 <a:ext uri="{91240B29-F687-4f45-9708-019B960494DF}">
-                  <a14:hiddenLine xmlns:a14="http://schemas.microsoft.com/office/drawing/2010/main" xmlns="" w="9525">
+                  <a14:hiddenLine xmlns="" xmlns:a14="http://schemas.microsoft.com/office/drawing/2010/main" w="9525">
                     <a:solidFill>
                       <a:srgbClr val="000000"/>
                     </a:solidFill>
@@ -9879,7 +9883,7 @@
               </a:ln>
               <a:extLst>
                 <a:ext uri="{91240B29-F687-4f45-9708-019B960494DF}">
-                  <a14:hiddenLine xmlns:a14="http://schemas.microsoft.com/office/drawing/2010/main" xmlns="" w="9525">
+                  <a14:hiddenLine xmlns="" xmlns:a14="http://schemas.microsoft.com/office/drawing/2010/main" w="9525">
                     <a:solidFill>
                       <a:srgbClr val="000000"/>
                     </a:solidFill>
@@ -9941,7 +9945,7 @@
               </a:ln>
               <a:extLst>
                 <a:ext uri="{91240B29-F687-4f45-9708-019B960494DF}">
-                  <a14:hiddenLine xmlns:a14="http://schemas.microsoft.com/office/drawing/2010/main" xmlns="" w="9525">
+                  <a14:hiddenLine xmlns="" xmlns:a14="http://schemas.microsoft.com/office/drawing/2010/main" w="9525">
                     <a:solidFill>
                       <a:srgbClr val="000000"/>
                     </a:solidFill>
@@ -10031,7 +10035,7 @@
               </a:ln>
               <a:extLst>
                 <a:ext uri="{91240B29-F687-4f45-9708-019B960494DF}">
-                  <a14:hiddenLine xmlns:a14="http://schemas.microsoft.com/office/drawing/2010/main" xmlns="" w="9525">
+                  <a14:hiddenLine xmlns="" xmlns:a14="http://schemas.microsoft.com/office/drawing/2010/main" w="9525">
                     <a:solidFill>
                       <a:srgbClr val="000000"/>
                     </a:solidFill>
@@ -10121,7 +10125,7 @@
               </a:ln>
               <a:extLst>
                 <a:ext uri="{91240B29-F687-4f45-9708-019B960494DF}">
-                  <a14:hiddenLine xmlns:a14="http://schemas.microsoft.com/office/drawing/2010/main" xmlns="" w="9525">
+                  <a14:hiddenLine xmlns="" xmlns:a14="http://schemas.microsoft.com/office/drawing/2010/main" w="9525">
                     <a:solidFill>
                       <a:srgbClr val="000000"/>
                     </a:solidFill>
@@ -10183,7 +10187,7 @@
               </a:ln>
               <a:extLst>
                 <a:ext uri="{91240B29-F687-4f45-9708-019B960494DF}">
-                  <a14:hiddenLine xmlns:a14="http://schemas.microsoft.com/office/drawing/2010/main" xmlns="" w="9525">
+                  <a14:hiddenLine xmlns="" xmlns:a14="http://schemas.microsoft.com/office/drawing/2010/main" w="9525">
                     <a:solidFill>
                       <a:srgbClr val="000000"/>
                     </a:solidFill>
@@ -10293,7 +10297,7 @@
               </a:ln>
               <a:extLst>
                 <a:ext uri="{91240B29-F687-4f45-9708-019B960494DF}">
-                  <a14:hiddenLine xmlns:a14="http://schemas.microsoft.com/office/drawing/2010/main" xmlns="" w="9525">
+                  <a14:hiddenLine xmlns="" xmlns:a14="http://schemas.microsoft.com/office/drawing/2010/main" w="9525">
                     <a:solidFill>
                       <a:srgbClr val="000000"/>
                     </a:solidFill>
@@ -10377,7 +10381,7 @@
               </a:ln>
               <a:extLst>
                 <a:ext uri="{91240B29-F687-4f45-9708-019B960494DF}">
-                  <a14:hiddenLine xmlns:a14="http://schemas.microsoft.com/office/drawing/2010/main" xmlns="" w="9525">
+                  <a14:hiddenLine xmlns="" xmlns:a14="http://schemas.microsoft.com/office/drawing/2010/main" w="9525">
                     <a:solidFill>
                       <a:srgbClr val="000000"/>
                     </a:solidFill>
@@ -10439,7 +10443,7 @@
               </a:ln>
               <a:extLst>
                 <a:ext uri="{91240B29-F687-4f45-9708-019B960494DF}">
-                  <a14:hiddenLine xmlns:a14="http://schemas.microsoft.com/office/drawing/2010/main" xmlns="" w="9525">
+                  <a14:hiddenLine xmlns="" xmlns:a14="http://schemas.microsoft.com/office/drawing/2010/main" w="9525">
                     <a:solidFill>
                       <a:srgbClr val="000000"/>
                     </a:solidFill>
@@ -10501,7 +10505,7 @@
               </a:ln>
               <a:extLst>
                 <a:ext uri="{91240B29-F687-4f45-9708-019B960494DF}">
-                  <a14:hiddenLine xmlns:a14="http://schemas.microsoft.com/office/drawing/2010/main" xmlns="" w="9525">
+                  <a14:hiddenLine xmlns="" xmlns:a14="http://schemas.microsoft.com/office/drawing/2010/main" w="9525">
                     <a:solidFill>
                       <a:srgbClr val="000000"/>
                     </a:solidFill>
@@ -10591,7 +10595,7 @@
               </a:ln>
               <a:extLst>
                 <a:ext uri="{91240B29-F687-4f45-9708-019B960494DF}">
-                  <a14:hiddenLine xmlns:a14="http://schemas.microsoft.com/office/drawing/2010/main" xmlns="" w="9525">
+                  <a14:hiddenLine xmlns="" xmlns:a14="http://schemas.microsoft.com/office/drawing/2010/main" w="9525">
                     <a:solidFill>
                       <a:srgbClr val="000000"/>
                     </a:solidFill>
@@ -10625,7 +10629,7 @@
               </a:ln>
               <a:extLst>
                 <a:ext uri="{91240B29-F687-4f45-9708-019B960494DF}">
-                  <a14:hiddenLine xmlns:a14="http://schemas.microsoft.com/office/drawing/2010/main" xmlns="" w="9525">
+                  <a14:hiddenLine xmlns="" xmlns:a14="http://schemas.microsoft.com/office/drawing/2010/main" w="9525">
                     <a:solidFill>
                       <a:srgbClr val="000000"/>
                     </a:solidFill>
@@ -10690,7 +10694,7 @@
               </a:ln>
               <a:extLst>
                 <a:ext uri="{91240B29-F687-4f45-9708-019B960494DF}">
-                  <a14:hiddenLine xmlns:a14="http://schemas.microsoft.com/office/drawing/2010/main" xmlns="" w="9525">
+                  <a14:hiddenLine xmlns="" xmlns:a14="http://schemas.microsoft.com/office/drawing/2010/main" w="9525">
                     <a:solidFill>
                       <a:srgbClr val="000000"/>
                     </a:solidFill>
@@ -10780,7 +10784,7 @@
               </a:ln>
               <a:extLst>
                 <a:ext uri="{91240B29-F687-4f45-9708-019B960494DF}">
-                  <a14:hiddenLine xmlns:a14="http://schemas.microsoft.com/office/drawing/2010/main" xmlns="" w="9525">
+                  <a14:hiddenLine xmlns="" xmlns:a14="http://schemas.microsoft.com/office/drawing/2010/main" w="9525">
                     <a:solidFill>
                       <a:srgbClr val="000000"/>
                     </a:solidFill>
@@ -10842,7 +10846,7 @@
               </a:ln>
               <a:extLst>
                 <a:ext uri="{91240B29-F687-4f45-9708-019B960494DF}">
-                  <a14:hiddenLine xmlns:a14="http://schemas.microsoft.com/office/drawing/2010/main" xmlns="" w="9525">
+                  <a14:hiddenLine xmlns="" xmlns:a14="http://schemas.microsoft.com/office/drawing/2010/main" w="9525">
                     <a:solidFill>
                       <a:srgbClr val="000000"/>
                     </a:solidFill>
@@ -10932,7 +10936,7 @@
               </a:ln>
               <a:extLst>
                 <a:ext uri="{91240B29-F687-4f45-9708-019B960494DF}">
-                  <a14:hiddenLine xmlns:a14="http://schemas.microsoft.com/office/drawing/2010/main" xmlns="" w="9525">
+                  <a14:hiddenLine xmlns="" xmlns:a14="http://schemas.microsoft.com/office/drawing/2010/main" w="9525">
                     <a:solidFill>
                       <a:srgbClr val="000000"/>
                     </a:solidFill>
@@ -10997,7 +11001,7 @@
               </a:ln>
               <a:extLst>
                 <a:ext uri="{91240B29-F687-4f45-9708-019B960494DF}">
-                  <a14:hiddenLine xmlns:a14="http://schemas.microsoft.com/office/drawing/2010/main" xmlns="" w="9525">
+                  <a14:hiddenLine xmlns="" xmlns:a14="http://schemas.microsoft.com/office/drawing/2010/main" w="9525">
                     <a:solidFill>
                       <a:srgbClr val="000000"/>
                     </a:solidFill>
@@ -11059,7 +11063,7 @@
               </a:ln>
               <a:extLst>
                 <a:ext uri="{91240B29-F687-4f45-9708-019B960494DF}">
-                  <a14:hiddenLine xmlns:a14="http://schemas.microsoft.com/office/drawing/2010/main" xmlns="" w="9525">
+                  <a14:hiddenLine xmlns="" xmlns:a14="http://schemas.microsoft.com/office/drawing/2010/main" w="9525">
                     <a:solidFill>
                       <a:srgbClr val="000000"/>
                     </a:solidFill>
@@ -11149,7 +11153,7 @@
               </a:ln>
               <a:extLst>
                 <a:ext uri="{91240B29-F687-4f45-9708-019B960494DF}">
-                  <a14:hiddenLine xmlns:a14="http://schemas.microsoft.com/office/drawing/2010/main" xmlns="" w="9525">
+                  <a14:hiddenLine xmlns="" xmlns:a14="http://schemas.microsoft.com/office/drawing/2010/main" w="9525">
                     <a:solidFill>
                       <a:srgbClr val="000000"/>
                     </a:solidFill>
@@ -11239,7 +11243,7 @@
               </a:ln>
               <a:extLst>
                 <a:ext uri="{91240B29-F687-4f45-9708-019B960494DF}">
-                  <a14:hiddenLine xmlns:a14="http://schemas.microsoft.com/office/drawing/2010/main" xmlns="" w="9525">
+                  <a14:hiddenLine xmlns="" xmlns:a14="http://schemas.microsoft.com/office/drawing/2010/main" w="9525">
                     <a:solidFill>
                       <a:srgbClr val="000000"/>
                     </a:solidFill>
@@ -11304,7 +11308,7 @@
               </a:ln>
               <a:extLst>
                 <a:ext uri="{91240B29-F687-4f45-9708-019B960494DF}">
-                  <a14:hiddenLine xmlns:a14="http://schemas.microsoft.com/office/drawing/2010/main" xmlns="" w="9525">
+                  <a14:hiddenLine xmlns="" xmlns:a14="http://schemas.microsoft.com/office/drawing/2010/main" w="9525">
                     <a:solidFill>
                       <a:srgbClr val="000000"/>
                     </a:solidFill>
@@ -11424,7 +11428,7 @@
               </a:ln>
               <a:extLst>
                 <a:ext uri="{91240B29-F687-4f45-9708-019B960494DF}">
-                  <a14:hiddenLine xmlns:a14="http://schemas.microsoft.com/office/drawing/2010/main" xmlns="" w="9525">
+                  <a14:hiddenLine xmlns="" xmlns:a14="http://schemas.microsoft.com/office/drawing/2010/main" w="9525">
                     <a:solidFill>
                       <a:srgbClr val="000000"/>
                     </a:solidFill>
@@ -11522,7 +11526,7 @@
               </a:ln>
               <a:extLst>
                 <a:ext uri="{91240B29-F687-4f45-9708-019B960494DF}">
-                  <a14:hiddenLine xmlns:a14="http://schemas.microsoft.com/office/drawing/2010/main" xmlns="" w="9525">
+                  <a14:hiddenLine xmlns="" xmlns:a14="http://schemas.microsoft.com/office/drawing/2010/main" w="9525">
                     <a:solidFill>
                       <a:srgbClr val="000000"/>
                     </a:solidFill>
@@ -11637,7 +11641,7 @@
               </a:ln>
               <a:extLst>
                 <a:ext uri="{91240B29-F687-4f45-9708-019B960494DF}">
-                  <a14:hiddenLine xmlns:a14="http://schemas.microsoft.com/office/drawing/2010/main" xmlns="" w="9525">
+                  <a14:hiddenLine xmlns="" xmlns:a14="http://schemas.microsoft.com/office/drawing/2010/main" w="9525">
                     <a:solidFill>
                       <a:srgbClr val="000000"/>
                     </a:solidFill>
@@ -11727,7 +11731,7 @@
               </a:ln>
               <a:extLst>
                 <a:ext uri="{91240B29-F687-4f45-9708-019B960494DF}">
-                  <a14:hiddenLine xmlns:a14="http://schemas.microsoft.com/office/drawing/2010/main" xmlns="" w="9525">
+                  <a14:hiddenLine xmlns="" xmlns:a14="http://schemas.microsoft.com/office/drawing/2010/main" w="9525">
                     <a:solidFill>
                       <a:srgbClr val="000000"/>
                     </a:solidFill>
@@ -11792,7 +11796,7 @@
               </a:ln>
               <a:extLst>
                 <a:ext uri="{91240B29-F687-4f45-9708-019B960494DF}">
-                  <a14:hiddenLine xmlns:a14="http://schemas.microsoft.com/office/drawing/2010/main" xmlns="" w="9525">
+                  <a14:hiddenLine xmlns="" xmlns:a14="http://schemas.microsoft.com/office/drawing/2010/main" w="9525">
                     <a:solidFill>
                       <a:srgbClr val="000000"/>
                     </a:solidFill>
@@ -11882,7 +11886,7 @@
               </a:ln>
               <a:extLst>
                 <a:ext uri="{91240B29-F687-4f45-9708-019B960494DF}">
-                  <a14:hiddenLine xmlns:a14="http://schemas.microsoft.com/office/drawing/2010/main" xmlns="" w="9525">
+                  <a14:hiddenLine xmlns="" xmlns:a14="http://schemas.microsoft.com/office/drawing/2010/main" w="9525">
                     <a:solidFill>
                       <a:srgbClr val="000000"/>
                     </a:solidFill>
@@ -11950,7 +11954,7 @@
               </a:ln>
               <a:extLst>
                 <a:ext uri="{91240B29-F687-4f45-9708-019B960494DF}">
-                  <a14:hiddenLine xmlns:a14="http://schemas.microsoft.com/office/drawing/2010/main" xmlns="" w="9525">
+                  <a14:hiddenLine xmlns="" xmlns:a14="http://schemas.microsoft.com/office/drawing/2010/main" w="9525">
                     <a:solidFill>
                       <a:srgbClr val="000000"/>
                     </a:solidFill>
@@ -12040,7 +12044,7 @@
               </a:ln>
               <a:extLst>
                 <a:ext uri="{91240B29-F687-4f45-9708-019B960494DF}">
-                  <a14:hiddenLine xmlns:a14="http://schemas.microsoft.com/office/drawing/2010/main" xmlns="" w="9525">
+                  <a14:hiddenLine xmlns="" xmlns:a14="http://schemas.microsoft.com/office/drawing/2010/main" w="9525">
                     <a:solidFill>
                       <a:srgbClr val="000000"/>
                     </a:solidFill>
@@ -12108,7 +12112,7 @@
               </a:ln>
               <a:extLst>
                 <a:ext uri="{91240B29-F687-4f45-9708-019B960494DF}">
-                  <a14:hiddenLine xmlns:a14="http://schemas.microsoft.com/office/drawing/2010/main" xmlns="" w="9525">
+                  <a14:hiddenLine xmlns="" xmlns:a14="http://schemas.microsoft.com/office/drawing/2010/main" w="9525">
                     <a:solidFill>
                       <a:srgbClr val="000000"/>
                     </a:solidFill>
@@ -12198,7 +12202,7 @@
               </a:ln>
               <a:extLst>
                 <a:ext uri="{91240B29-F687-4f45-9708-019B960494DF}">
-                  <a14:hiddenLine xmlns:a14="http://schemas.microsoft.com/office/drawing/2010/main" xmlns="" w="9525">
+                  <a14:hiddenLine xmlns="" xmlns:a14="http://schemas.microsoft.com/office/drawing/2010/main" w="9525">
                     <a:solidFill>
                       <a:srgbClr val="000000"/>
                     </a:solidFill>
@@ -12232,7 +12236,7 @@
               </a:ln>
               <a:extLst>
                 <a:ext uri="{91240B29-F687-4f45-9708-019B960494DF}">
-                  <a14:hiddenLine xmlns:a14="http://schemas.microsoft.com/office/drawing/2010/main" xmlns="" w="9525">
+                  <a14:hiddenLine xmlns="" xmlns:a14="http://schemas.microsoft.com/office/drawing/2010/main" w="9525">
                     <a:solidFill>
                       <a:srgbClr val="000000"/>
                     </a:solidFill>
@@ -12372,7 +12376,7 @@
           <a:p>
             <a:fld id="{BA2653DB-D84C-46A1-8DA2-2F7D8377207A}" type="datetimeFigureOut">
               <a:rPr lang="ru-RU" smtClean="0"/>
-              <a:t>26.12.2018</a:t>
+              <a:t>27.12.2018</a:t>
             </a:fld>
             <a:endParaRPr lang="ru-RU"/>
           </a:p>
@@ -12817,12 +12821,13 @@
             </a:r>
             <a:r>
               <a:rPr lang="en-US" dirty="0" smtClean="0"/>
-              <a:t>nderbox™</a:t>
-            </a:r>
-            <a:r>
-              <a:rPr lang="ru-RU" dirty="0"/>
-              <a:t> </a:t>
-            </a:r>
+              <a:t>nderbox</a:t>
+            </a:r>
+            <a:r>
+              <a:rPr lang="en-US" dirty="0" smtClean="0"/>
+              <a:t>™</a:t>
+            </a:r>
+            <a:endParaRPr lang="ru-RU" dirty="0"/>
           </a:p>
         </p:txBody>
       </p:sp>
@@ -13009,6 +13014,13 @@
   <p:clrMapOvr>
     <a:masterClrMapping/>
   </p:clrMapOvr>
+  <p:timing>
+    <p:tnLst>
+      <p:par>
+        <p:cTn id="1" dur="indefinite" restart="never" nodeType="tmRoot"/>
+      </p:par>
+    </p:tnLst>
+  </p:timing>
 </p:sld>
 </file>
 
@@ -13155,6 +13167,13 @@
   <p:clrMapOvr>
     <a:masterClrMapping/>
   </p:clrMapOvr>
+  <p:timing>
+    <p:tnLst>
+      <p:par>
+        <p:cTn id="1" dur="indefinite" restart="never" nodeType="tmRoot"/>
+      </p:par>
+    </p:tnLst>
+  </p:timing>
 </p:sld>
 </file>
 
@@ -13215,8 +13234,9 @@
           <a:p>
             <a:r>
               <a:rPr lang="ru-RU" dirty="0" smtClean="0"/>
-              <a:t>Тесты</a:t>
-            </a:r>
+              <a:t>Программа для создания, редактирования и прохождения тестов.</a:t>
+            </a:r>
+            <a:endParaRPr lang="ru-RU" dirty="0" smtClean="0"/>
           </a:p>
           <a:p>
             <a:r>
@@ -13228,6 +13248,9 @@
               <a:t>UT</a:t>
             </a:r>
             <a:endParaRPr lang="ru-RU" dirty="0"/>
+          </a:p>
+          <a:p>
+            <a:endParaRPr lang="ru-RU" dirty="0" smtClean="0"/>
           </a:p>
         </p:txBody>
       </p:sp>
@@ -13241,6 +13264,13 @@
   <p:clrMapOvr>
     <a:masterClrMapping/>
   </p:clrMapOvr>
+  <p:timing>
+    <p:tnLst>
+      <p:par>
+        <p:cTn id="1" dur="indefinite" restart="never" nodeType="tmRoot"/>
+      </p:par>
+    </p:tnLst>
+  </p:timing>
 </p:sld>
 </file>
 
@@ -13288,25 +13318,30 @@
           </a:p>
         </p:txBody>
       </p:sp>
-      <p:sp>
-        <p:nvSpPr>
-          <p:cNvPr id="3" name="Объект 2"/>
-          <p:cNvSpPr>
-            <a:spLocks noGrp="1"/>
-          </p:cNvSpPr>
-          <p:nvPr>
-            <p:ph idx="1"/>
-          </p:nvPr>
-        </p:nvSpPr>
-        <p:spPr/>
-        <p:txBody>
-          <a:bodyPr/>
-          <a:lstStyle/>
-          <a:p>
-            <a:endParaRPr lang="ru-RU"/>
-          </a:p>
-        </p:txBody>
-      </p:sp>
+      <p:pic>
+        <p:nvPicPr>
+          <p:cNvPr id="14" name="Рисунок 13"/>
+          <p:cNvPicPr>
+            <a:picLocks noChangeAspect="1"/>
+          </p:cNvPicPr>
+          <p:nvPr/>
+        </p:nvPicPr>
+        <p:blipFill>
+          <a:blip r:embed="rId2"/>
+          <a:stretch>
+            <a:fillRect/>
+          </a:stretch>
+        </p:blipFill>
+        <p:spPr>
+          <a:xfrm>
+            <a:off x="1685925" y="1653079"/>
+            <a:ext cx="8390856" cy="4956875"/>
+          </a:xfrm>
+          <a:prstGeom prst="rect">
+            <a:avLst/>
+          </a:prstGeom>
+        </p:spPr>
+      </p:pic>
     </p:spTree>
     <p:extLst>
       <p:ext uri="{BB962C8B-B14F-4D97-AF65-F5344CB8AC3E}">
@@ -13317,6 +13352,13 @@
   <p:clrMapOvr>
     <a:masterClrMapping/>
   </p:clrMapOvr>
+  <p:timing>
+    <p:tnLst>
+      <p:par>
+        <p:cTn id="1" dur="indefinite" restart="never" nodeType="tmRoot"/>
+      </p:par>
+    </p:tnLst>
+  </p:timing>
 </p:sld>
 </file>
 
@@ -13415,6 +13457,13 @@
   <p:clrMapOvr>
     <a:masterClrMapping/>
   </p:clrMapOvr>
+  <p:timing>
+    <p:tnLst>
+      <p:par>
+        <p:cTn id="1" dur="indefinite" restart="never" nodeType="tmRoot"/>
+      </p:par>
+    </p:tnLst>
+  </p:timing>
 </p:sld>
 </file>
 
@@ -13456,31 +13505,36 @@
             </a:r>
             <a:r>
               <a:rPr lang="en-US" dirty="0" err="1" smtClean="0"/>
-              <a:t>UnderNODE</a:t>
+              <a:t>UnderNOtE</a:t>
             </a:r>
             <a:endParaRPr lang="ru-RU" dirty="0"/>
           </a:p>
         </p:txBody>
       </p:sp>
-      <p:sp>
-        <p:nvSpPr>
-          <p:cNvPr id="3" name="Объект 2"/>
-          <p:cNvSpPr>
-            <a:spLocks noGrp="1"/>
-          </p:cNvSpPr>
-          <p:nvPr>
-            <p:ph idx="1"/>
-          </p:nvPr>
-        </p:nvSpPr>
-        <p:spPr/>
-        <p:txBody>
-          <a:bodyPr/>
-          <a:lstStyle/>
-          <a:p>
-            <a:endParaRPr lang="ru-RU"/>
-          </a:p>
-        </p:txBody>
-      </p:sp>
+      <p:pic>
+        <p:nvPicPr>
+          <p:cNvPr id="4" name="Рисунок 3"/>
+          <p:cNvPicPr>
+            <a:picLocks noChangeAspect="1"/>
+          </p:cNvPicPr>
+          <p:nvPr/>
+        </p:nvPicPr>
+        <p:blipFill>
+          <a:blip r:embed="rId2"/>
+          <a:stretch>
+            <a:fillRect/>
+          </a:stretch>
+        </p:blipFill>
+        <p:spPr>
+          <a:xfrm>
+            <a:off x="3182037" y="1866899"/>
+            <a:ext cx="5824750" cy="4395601"/>
+          </a:xfrm>
+          <a:prstGeom prst="rect">
+            <a:avLst/>
+          </a:prstGeom>
+        </p:spPr>
+      </p:pic>
     </p:spTree>
     <p:extLst>
       <p:ext uri="{BB962C8B-B14F-4D97-AF65-F5344CB8AC3E}">
@@ -13491,6 +13545,13 @@
   <p:clrMapOvr>
     <a:masterClrMapping/>
   </p:clrMapOvr>
+  <p:timing>
+    <p:tnLst>
+      <p:par>
+        <p:cTn id="1" dur="indefinite" restart="never" nodeType="tmRoot"/>
+      </p:par>
+    </p:tnLst>
+  </p:timing>
 </p:sld>
 </file>
 
@@ -13528,7 +13589,7 @@
           <a:p>
             <a:r>
               <a:rPr lang="ru-RU" dirty="0" smtClean="0"/>
-              <a:t>Общая Структура</a:t>
+              <a:t>Путь развития</a:t>
             </a:r>
             <a:endParaRPr lang="ru-RU" dirty="0"/>
           </a:p>
@@ -13549,6 +13610,50 @@
           <a:bodyPr/>
           <a:lstStyle/>
           <a:p>
+            <a:pPr marL="0" indent="0">
+              <a:buNone/>
+            </a:pPr>
+            <a:r>
+              <a:rPr lang="ru-RU" dirty="0" smtClean="0"/>
+              <a:t>  Пакет </a:t>
+            </a:r>
+            <a:r>
+              <a:rPr lang="ru-RU" dirty="0"/>
+              <a:t>программ </a:t>
+            </a:r>
+            <a:r>
+              <a:rPr lang="en-US" dirty="0"/>
+              <a:t>UnderBoX™</a:t>
+            </a:r>
+            <a:r>
+              <a:rPr lang="ru-RU" dirty="0"/>
+              <a:t> на данный момент выпущен лишь в бета </a:t>
+            </a:r>
+            <a:r>
+              <a:rPr lang="ru-RU" dirty="0" smtClean="0"/>
+              <a:t>версии, что означает наличие большого потенциала для развития данного проекта. К примеру, в программе </a:t>
+            </a:r>
+            <a:r>
+              <a:rPr lang="en-US" dirty="0" smtClean="0"/>
+              <a:t>UnderTest </a:t>
+            </a:r>
+            <a:r>
+              <a:rPr lang="ru-RU" dirty="0" smtClean="0"/>
+              <a:t>необходимо дописать возможность открытия для редактирования уже созданных тестов. В </a:t>
+            </a:r>
+            <a:r>
+              <a:rPr lang="en-US" dirty="0" smtClean="0"/>
+              <a:t>UnderNote </a:t>
+            </a:r>
+            <a:r>
+              <a:rPr lang="ru-RU" dirty="0" smtClean="0"/>
+              <a:t>же не хватает функции поиска.</a:t>
+            </a:r>
+          </a:p>
+          <a:p>
+            <a:pPr marL="0" indent="0">
+              <a:buNone/>
+            </a:pPr>
             <a:endParaRPr lang="ru-RU" dirty="0"/>
           </a:p>
         </p:txBody>
@@ -13556,105 +13661,20 @@
     </p:spTree>
     <p:extLst>
       <p:ext uri="{BB962C8B-B14F-4D97-AF65-F5344CB8AC3E}">
-        <p14:creationId xmlns:p14="http://schemas.microsoft.com/office/powerpoint/2010/main" val="491276875"/>
+        <p14:creationId xmlns:p14="http://schemas.microsoft.com/office/powerpoint/2010/main" val="1465759429"/>
       </p:ext>
     </p:extLst>
   </p:cSld>
   <p:clrMapOvr>
     <a:masterClrMapping/>
   </p:clrMapOvr>
-</p:sld>
-</file>
-
-<file path=ppt/slides/slide9.xml><?xml version="1.0" encoding="utf-8"?>
-<p:sld xmlns:a="http://schemas.openxmlformats.org/drawingml/2006/main" xmlns:r="http://schemas.openxmlformats.org/officeDocument/2006/relationships" xmlns:p="http://schemas.openxmlformats.org/presentationml/2006/main">
-  <p:cSld>
-    <p:spTree>
-      <p:nvGrpSpPr>
-        <p:cNvPr id="1" name=""/>
-        <p:cNvGrpSpPr/>
-        <p:nvPr/>
-      </p:nvGrpSpPr>
-      <p:grpSpPr>
-        <a:xfrm>
-          <a:off x="0" y="0"/>
-          <a:ext cx="0" cy="0"/>
-          <a:chOff x="0" y="0"/>
-          <a:chExt cx="0" cy="0"/>
-        </a:xfrm>
-      </p:grpSpPr>
-      <p:sp>
-        <p:nvSpPr>
-          <p:cNvPr id="2" name="Заголовок 1"/>
-          <p:cNvSpPr>
-            <a:spLocks noGrp="1"/>
-          </p:cNvSpPr>
-          <p:nvPr>
-            <p:ph type="title"/>
-          </p:nvPr>
-        </p:nvSpPr>
-        <p:spPr/>
-        <p:txBody>
-          <a:bodyPr/>
-          <a:lstStyle/>
-          <a:p>
-            <a:r>
-              <a:rPr lang="ru-RU" dirty="0" smtClean="0"/>
-              <a:t>Заключение</a:t>
-            </a:r>
-            <a:endParaRPr lang="ru-RU" dirty="0"/>
-          </a:p>
-        </p:txBody>
-      </p:sp>
-      <p:sp>
-        <p:nvSpPr>
-          <p:cNvPr id="3" name="Объект 2"/>
-          <p:cNvSpPr>
-            <a:spLocks noGrp="1"/>
-          </p:cNvSpPr>
-          <p:nvPr>
-            <p:ph idx="1"/>
-          </p:nvPr>
-        </p:nvSpPr>
-        <p:spPr/>
-        <p:txBody>
-          <a:bodyPr/>
-          <a:lstStyle/>
-          <a:p>
-            <a:r>
-              <a:rPr lang="ru-RU" dirty="0" smtClean="0"/>
-              <a:t>Пакет программ </a:t>
-            </a:r>
-            <a:r>
-              <a:rPr lang="en-US" dirty="0"/>
-              <a:t>UnderBoX</a:t>
-            </a:r>
-            <a:r>
-              <a:rPr lang="en-US" dirty="0" smtClean="0"/>
-              <a:t>™</a:t>
-            </a:r>
-            <a:r>
-              <a:rPr lang="ru-RU" dirty="0" smtClean="0"/>
-              <a:t> может затмить </a:t>
-            </a:r>
-            <a:r>
-              <a:rPr lang="en-US" dirty="0" smtClean="0"/>
-              <a:t>Microsoft Office</a:t>
-            </a:r>
-            <a:endParaRPr lang="ru-RU" dirty="0"/>
-          </a:p>
-        </p:txBody>
-      </p:sp>
-    </p:spTree>
-    <p:extLst>
-      <p:ext uri="{BB962C8B-B14F-4D97-AF65-F5344CB8AC3E}">
-        <p14:creationId xmlns:p14="http://schemas.microsoft.com/office/powerpoint/2010/main" val="3653515151"/>
-      </p:ext>
-    </p:extLst>
-  </p:cSld>
-  <p:clrMapOvr>
-    <a:masterClrMapping/>
-  </p:clrMapOvr>
+  <p:timing>
+    <p:tnLst>
+      <p:par>
+        <p:cTn id="1" dur="indefinite" restart="never" nodeType="tmRoot"/>
+      </p:par>
+    </p:tnLst>
+  </p:timing>
 </p:sld>
 </file>
 
